--- a/pres-source/09-nosql.pptx
+++ b/pres-source/09-nosql.pptx
@@ -252,7 +252,7 @@
             <a:fld id="{7307762F-A706-E543-A832-3C298AA3103F}" type="datetimeFigureOut">
               <a:rPr lang="en-US" smtClean="0"/>
               <a:pPr/>
-              <a:t>3/1/19</a:t>
+              <a:t>2/28/20</a:t>
             </a:fld>
             <a:endParaRPr lang="en-US" dirty="0"/>
           </a:p>
@@ -663,6 +663,175 @@
           <a:bodyPr/>
           <a:lstStyle/>
           <a:p>
+            <a:r>
+              <a:rPr lang="en-GB" sz="1200" b="1" i="0" kern="1200" dirty="0">
+                <a:solidFill>
+                  <a:schemeClr val="tx1"/>
+                </a:solidFill>
+                <a:effectLst/>
+                <a:latin typeface="Montserrat"/>
+                <a:ea typeface="+mn-ea"/>
+                <a:cs typeface="+mn-cs"/>
+              </a:rPr>
+              <a:t>How It Works</a:t>
+            </a:r>
+          </a:p>
+          <a:p>
+            <a:r>
+              <a:rPr lang="en-GB" sz="1200" b="0" i="0" kern="1200" dirty="0">
+                <a:solidFill>
+                  <a:schemeClr val="tx1"/>
+                </a:solidFill>
+                <a:effectLst/>
+                <a:latin typeface="Montserrat"/>
+                <a:ea typeface="+mn-ea"/>
+                <a:cs typeface="+mn-cs"/>
+              </a:rPr>
+              <a:t>The architectural details of Cassandra lie beyond the scope of this article but a brief overview is warranted. At level comparable with the high of Mt. Everest, a Cassandra cluster consists of a decentralized network of autonomous nodes (commodity servers) with a ring-like network typology. A client connects to the Cassandra cluster by connecting with any particular node present in the ring and interfaces with that node via CQL. The node the client connects to is called the coordinator and it assumes the responsibility of satisfying the client’s request.</a:t>
+            </a:r>
+          </a:p>
+          <a:p>
+            <a:r>
+              <a:rPr lang="en-GB" sz="1200" b="0" i="0" kern="1200" dirty="0">
+                <a:solidFill>
+                  <a:schemeClr val="tx1"/>
+                </a:solidFill>
+                <a:effectLst/>
+                <a:latin typeface="Montserrat"/>
+                <a:ea typeface="+mn-ea"/>
+                <a:cs typeface="+mn-cs"/>
+              </a:rPr>
+              <a:t>Cassandra is a distributed database system and relies on data partitioning to equally distribute the data amongst the nodes in the cluster. To avoid the problem of single-point-of-failure associated with shared nothing architectures, Cassandra employs data replication to store replicas (data copies) on participating nodes. This contributes to the high availability of the database system.</a:t>
+            </a:r>
+          </a:p>
+          <a:p>
+            <a:r>
+              <a:rPr lang="en-GB" sz="1200" b="0" i="0" kern="1200" dirty="0">
+                <a:solidFill>
+                  <a:schemeClr val="tx1"/>
+                </a:solidFill>
+                <a:effectLst/>
+                <a:latin typeface="Montserrat"/>
+                <a:ea typeface="+mn-ea"/>
+                <a:cs typeface="+mn-cs"/>
+              </a:rPr>
+              <a:t>The coordinator will inform the client of a successful read or write operation in accordance with the established consistency level. This parameter allows users to configure the number of replicas that must acknowledge a read or write operation before the client is informed of a successful operation. Alternatively, this parameter describes the number of nodes which must complete the operation before the client is informed of a success.</a:t>
+            </a:r>
+          </a:p>
+          <a:p>
+            <a:r>
+              <a:rPr lang="en-GB" sz="1200" b="0" i="0" kern="1200" dirty="0">
+                <a:solidFill>
+                  <a:schemeClr val="tx1"/>
+                </a:solidFill>
+                <a:effectLst/>
+                <a:latin typeface="Montserrat"/>
+                <a:ea typeface="+mn-ea"/>
+                <a:cs typeface="+mn-cs"/>
+              </a:rPr>
+              <a:t>What is interesting here is that an operation can be considered successful before data has been propagated to every node in the cluster. This is very important for increasing network performance. Nodes in the Cassandra cluster rely on the Gossip Protocol to exchange information with each other.</a:t>
+            </a:r>
+          </a:p>
+          <a:p>
+            <a:r>
+              <a:rPr lang="en-GB" sz="1200" b="0" i="0" kern="1200" dirty="0">
+                <a:solidFill>
+                  <a:schemeClr val="tx1"/>
+                </a:solidFill>
+                <a:effectLst/>
+                <a:latin typeface="Montserrat"/>
+                <a:ea typeface="+mn-ea"/>
+                <a:cs typeface="+mn-cs"/>
+              </a:rPr>
+              <a:t>This protocol allows nodes to obtain state information about other nodes by exchanging information a node has about itself and other nodes. A particular node does not directly exchange information with every other node in the cluster; data is exchanged with a few nodes and with the passage of time data propagates throughout the cluster in a manner similar with which a virus would spread through a population.</a:t>
+            </a:r>
+          </a:p>
+          <a:p>
+            <a:endParaRPr lang="en-US" dirty="0"/>
+          </a:p>
+        </p:txBody>
+      </p:sp>
+      <p:sp>
+        <p:nvSpPr>
+          <p:cNvPr id="4" name="Slide Number Placeholder 3"/>
+          <p:cNvSpPr>
+            <a:spLocks noGrp="1"/>
+          </p:cNvSpPr>
+          <p:nvPr>
+            <p:ph type="sldNum" sz="quarter" idx="5"/>
+          </p:nvPr>
+        </p:nvSpPr>
+        <p:spPr/>
+        <p:txBody>
+          <a:bodyPr/>
+          <a:lstStyle/>
+          <a:p>
+            <a:fld id="{BC39F3E1-B436-EB4D-8332-DAA0486A7B2B}" type="slidenum">
+              <a:rPr lang="en-US" smtClean="0"/>
+              <a:pPr/>
+              <a:t>18</a:t>
+            </a:fld>
+            <a:endParaRPr lang="en-US" dirty="0"/>
+          </a:p>
+        </p:txBody>
+      </p:sp>
+    </p:spTree>
+    <p:extLst>
+      <p:ext uri="{BB962C8B-B14F-4D97-AF65-F5344CB8AC3E}">
+        <p14:creationId xmlns:p14="http://schemas.microsoft.com/office/powerpoint/2010/main" val="848818780"/>
+      </p:ext>
+    </p:extLst>
+  </p:cSld>
+  <p:clrMapOvr>
+    <a:masterClrMapping/>
+  </p:clrMapOvr>
+</p:notes>
+</file>
+
+<file path=ppt/notesSlides/notesSlide3.xml><?xml version="1.0" encoding="utf-8"?>
+<p:notes xmlns:a="http://schemas.openxmlformats.org/drawingml/2006/main" xmlns:r="http://schemas.openxmlformats.org/officeDocument/2006/relationships" xmlns:p="http://schemas.openxmlformats.org/presentationml/2006/main">
+  <p:cSld>
+    <p:spTree>
+      <p:nvGrpSpPr>
+        <p:cNvPr id="1" name=""/>
+        <p:cNvGrpSpPr/>
+        <p:nvPr/>
+      </p:nvGrpSpPr>
+      <p:grpSpPr>
+        <a:xfrm>
+          <a:off x="0" y="0"/>
+          <a:ext cx="0" cy="0"/>
+          <a:chOff x="0" y="0"/>
+          <a:chExt cx="0" cy="0"/>
+        </a:xfrm>
+      </p:grpSpPr>
+      <p:sp>
+        <p:nvSpPr>
+          <p:cNvPr id="2" name="Slide Image Placeholder 1"/>
+          <p:cNvSpPr>
+            <a:spLocks noGrp="1" noRot="1" noChangeAspect="1"/>
+          </p:cNvSpPr>
+          <p:nvPr>
+            <p:ph type="sldImg"/>
+          </p:nvPr>
+        </p:nvSpPr>
+        <p:spPr/>
+      </p:sp>
+      <p:sp>
+        <p:nvSpPr>
+          <p:cNvPr id="3" name="Notes Placeholder 2"/>
+          <p:cNvSpPr>
+            <a:spLocks noGrp="1"/>
+          </p:cNvSpPr>
+          <p:nvPr>
+            <p:ph type="body" idx="1"/>
+          </p:nvPr>
+        </p:nvSpPr>
+        <p:spPr/>
+        <p:txBody>
+          <a:bodyPr/>
+          <a:lstStyle/>
+          <a:p>
             <a:endParaRPr lang="en-US" dirty="0"/>
           </a:p>
         </p:txBody>
@@ -994,7 +1163,7 @@
           <a:p>
             <a:fld id="{875CF0EB-321F-0749-B37A-89BBA859503C}" type="datetimeFigureOut">
               <a:rPr lang="en-US" smtClean="0"/>
-              <a:t>3/1/19</a:t>
+              <a:t>2/28/20</a:t>
             </a:fld>
             <a:endParaRPr lang="en-US"/>
           </a:p>
@@ -1196,7 +1365,7 @@
           <a:p>
             <a:fld id="{875CF0EB-321F-0749-B37A-89BBA859503C}" type="datetimeFigureOut">
               <a:rPr lang="en-US" smtClean="0"/>
-              <a:t>3/1/19</a:t>
+              <a:t>2/28/20</a:t>
             </a:fld>
             <a:endParaRPr lang="en-US"/>
           </a:p>
@@ -1388,7 +1557,7 @@
           <a:p>
             <a:fld id="{875CF0EB-321F-0749-B37A-89BBA859503C}" type="datetimeFigureOut">
               <a:rPr lang="en-US" smtClean="0"/>
-              <a:t>3/1/19</a:t>
+              <a:t>2/28/20</a:t>
             </a:fld>
             <a:endParaRPr lang="en-US"/>
           </a:p>
@@ -1657,7 +1826,7 @@
           <a:p>
             <a:fld id="{875CF0EB-321F-0749-B37A-89BBA859503C}" type="datetimeFigureOut">
               <a:rPr lang="en-US" smtClean="0"/>
-              <a:t>3/1/19</a:t>
+              <a:t>2/28/20</a:t>
             </a:fld>
             <a:endParaRPr lang="en-US"/>
           </a:p>
@@ -1966,7 +2135,7 @@
           <a:p>
             <a:fld id="{875CF0EB-321F-0749-B37A-89BBA859503C}" type="datetimeFigureOut">
               <a:rPr lang="en-US" smtClean="0"/>
-              <a:t>3/1/19</a:t>
+              <a:t>2/28/20</a:t>
             </a:fld>
             <a:endParaRPr lang="en-US"/>
           </a:p>
@@ -2409,7 +2578,7 @@
           <a:p>
             <a:fld id="{875CF0EB-321F-0749-B37A-89BBA859503C}" type="datetimeFigureOut">
               <a:rPr lang="en-US" smtClean="0"/>
-              <a:t>3/1/19</a:t>
+              <a:t>2/28/20</a:t>
             </a:fld>
             <a:endParaRPr lang="en-US"/>
           </a:p>
@@ -2550,7 +2719,7 @@
           <a:p>
             <a:fld id="{875CF0EB-321F-0749-B37A-89BBA859503C}" type="datetimeFigureOut">
               <a:rPr lang="en-US" smtClean="0"/>
-              <a:t>3/1/19</a:t>
+              <a:t>2/28/20</a:t>
             </a:fld>
             <a:endParaRPr lang="en-US"/>
           </a:p>
@@ -2669,7 +2838,7 @@
           <a:p>
             <a:fld id="{875CF0EB-321F-0749-B37A-89BBA859503C}" type="datetimeFigureOut">
               <a:rPr lang="en-US" smtClean="0"/>
-              <a:t>3/1/19</a:t>
+              <a:t>2/28/20</a:t>
             </a:fld>
             <a:endParaRPr lang="en-US"/>
           </a:p>
@@ -2968,7 +3137,7 @@
           <a:p>
             <a:fld id="{875CF0EB-321F-0749-B37A-89BBA859503C}" type="datetimeFigureOut">
               <a:rPr lang="en-US" smtClean="0"/>
-              <a:t>3/1/19</a:t>
+              <a:t>2/28/20</a:t>
             </a:fld>
             <a:endParaRPr lang="en-US"/>
           </a:p>
@@ -3244,7 +3413,7 @@
           <a:p>
             <a:fld id="{875CF0EB-321F-0749-B37A-89BBA859503C}" type="datetimeFigureOut">
               <a:rPr lang="en-US" smtClean="0"/>
-              <a:t>3/1/19</a:t>
+              <a:t>2/28/20</a:t>
             </a:fld>
             <a:endParaRPr lang="en-US"/>
           </a:p>
@@ -4322,7 +4491,7 @@
                 <a:ea typeface="ヒラギノ角ゴ ProN W3" charset="0"/>
                 <a:cs typeface="ヒラギノ角ゴ ProN W3" charset="0"/>
               </a:rPr>
-              <a:t>March 2019</a:t>
+              <a:t>March 2020</a:t>
             </a:r>
           </a:p>
         </p:txBody>
@@ -5819,7 +5988,7 @@
           <a:p>
             <a:r>
               <a:rPr lang="en-US" dirty="0"/>
-              <a:t>Simple access and fits well with programming models (especially MR)</a:t>
+              <a:t>Simple access and fits well with programming models (especially MapReduce)</a:t>
             </a:r>
           </a:p>
           <a:p>
@@ -6505,15 +6674,7 @@
           <a:p>
             <a:r>
               <a:rPr lang="en-US" dirty="0"/>
-              <a:t>Why </a:t>
-            </a:r>
-            <a:r>
-              <a:rPr lang="en-US" dirty="0" err="1"/>
-              <a:t>NoSQL</a:t>
-            </a:r>
-            <a:r>
-              <a:rPr lang="en-US" dirty="0"/>
-              <a:t>?</a:t>
+              <a:t>Why NoSQL (Not only SQL)?</a:t>
             </a:r>
           </a:p>
           <a:p>
@@ -6732,8 +6893,8 @@
         </p:blipFill>
         <p:spPr>
           <a:xfrm>
-            <a:off x="0" y="1417638"/>
-            <a:ext cx="9144000" cy="5231699"/>
+            <a:off x="829733" y="1417638"/>
+            <a:ext cx="7857067" cy="4495386"/>
           </a:xfrm>
           <a:prstGeom prst="rect">
             <a:avLst/>
@@ -6766,6 +6927,43 @@
               <a:rPr lang="en-US" dirty="0"/>
               <a:t>Source: Netflix</a:t>
             </a:r>
+          </a:p>
+        </p:txBody>
+      </p:sp>
+      <p:sp>
+        <p:nvSpPr>
+          <p:cNvPr id="3" name="Rectangle 2">
+            <a:extLst>
+              <a:ext uri="{FF2B5EF4-FFF2-40B4-BE49-F238E27FC236}">
+                <a16:creationId xmlns:a16="http://schemas.microsoft.com/office/drawing/2014/main" id="{19EDAA80-A31E-D146-BFA2-26EFE7D0D760}"/>
+              </a:ext>
+            </a:extLst>
+          </p:cNvPr>
+          <p:cNvSpPr/>
+          <p:nvPr/>
+        </p:nvSpPr>
+        <p:spPr>
+          <a:xfrm>
+            <a:off x="3894666" y="5913024"/>
+            <a:ext cx="4572000" cy="923330"/>
+          </a:xfrm>
+          <a:prstGeom prst="rect">
+            <a:avLst/>
+          </a:prstGeom>
+        </p:spPr>
+        <p:txBody>
+          <a:bodyPr>
+            <a:spAutoFit/>
+          </a:bodyPr>
+          <a:lstStyle/>
+          <a:p>
+            <a:r>
+              <a:rPr lang="en-GB" dirty="0">
+                <a:hlinkClick r:id="rId3"/>
+              </a:rPr>
+              <a:t>https://netflixtechblog.com/benchmarking-cassandra-scalability-on-aws-over-a-million-writes-per-second-39f45f066c9e</a:t>
+            </a:r>
+            <a:endParaRPr lang="en-US" dirty="0"/>
           </a:p>
         </p:txBody>
       </p:sp>
